--- a/figures/WRF-Hydro-Ensemble-Chain.pptx
+++ b/figures/WRF-Hydro-Ensemble-Chain.pptx
@@ -3102,20 +3102,24 @@
       </p:grpSpPr>
       <p:sp>
         <p:nvSpPr>
-          <p:cNvPr id="34" name="Alternate Process 33"/>
+          <p:cNvPr id="39" name="Alternate Process 38"/>
           <p:cNvSpPr/>
           <p:nvPr/>
         </p:nvSpPr>
         <p:spPr>
           <a:xfrm>
-            <a:off x="8540350" y="4316544"/>
-            <a:ext cx="2336800" cy="1714500"/>
+            <a:off x="2508303" y="1303766"/>
+            <a:ext cx="8814152" cy="4771003"/>
           </a:xfrm>
           <a:prstGeom prst="flowChartAlternateProcess">
             <a:avLst/>
           </a:prstGeom>
           <a:noFill/>
-          <a:ln w="28575" cmpd="sng"/>
+          <a:ln w="28575" cmpd="sng">
+            <a:solidFill>
+              <a:srgbClr val="0000FF"/>
+            </a:solidFill>
+          </a:ln>
         </p:spPr>
         <p:style>
           <a:lnRef idx="1">
@@ -3139,6 +3143,158 @@
             <a:endParaRPr lang="en-US">
               <a:solidFill>
                 <a:prstClr val="white"/>
+              </a:solidFill>
+            </a:endParaRPr>
+          </a:p>
+        </p:txBody>
+      </p:sp>
+      <p:sp>
+        <p:nvSpPr>
+          <p:cNvPr id="38" name="Alternate Process 37"/>
+          <p:cNvSpPr/>
+          <p:nvPr/>
+        </p:nvSpPr>
+        <p:spPr>
+          <a:xfrm>
+            <a:off x="2383878" y="1425521"/>
+            <a:ext cx="8814152" cy="4771003"/>
+          </a:xfrm>
+          <a:prstGeom prst="flowChartAlternateProcess">
+            <a:avLst/>
+          </a:prstGeom>
+          <a:noFill/>
+          <a:ln w="28575" cmpd="sng">
+            <a:solidFill>
+              <a:srgbClr val="008000"/>
+            </a:solidFill>
+          </a:ln>
+        </p:spPr>
+        <p:style>
+          <a:lnRef idx="1">
+            <a:schemeClr val="accent1"/>
+          </a:lnRef>
+          <a:fillRef idx="3">
+            <a:schemeClr val="accent1"/>
+          </a:fillRef>
+          <a:effectRef idx="2">
+            <a:schemeClr val="accent1"/>
+          </a:effectRef>
+          <a:fontRef idx="minor">
+            <a:schemeClr val="lt1"/>
+          </a:fontRef>
+        </p:style>
+        <p:txBody>
+          <a:bodyPr lIns="91434" tIns="45717" rIns="91434" bIns="45717" rtlCol="0" anchor="ctr"/>
+          <a:lstStyle/>
+          <a:p>
+            <a:pPr algn="ctr" defTabSz="457169"/>
+            <a:endParaRPr lang="en-US">
+              <a:solidFill>
+                <a:prstClr val="white"/>
+              </a:solidFill>
+            </a:endParaRPr>
+          </a:p>
+        </p:txBody>
+      </p:sp>
+      <p:sp>
+        <p:nvSpPr>
+          <p:cNvPr id="33" name="Alternate Process 32"/>
+          <p:cNvSpPr/>
+          <p:nvPr/>
+        </p:nvSpPr>
+        <p:spPr>
+          <a:xfrm>
+            <a:off x="2270641" y="1532320"/>
+            <a:ext cx="8814152" cy="4771003"/>
+          </a:xfrm>
+          <a:prstGeom prst="flowChartAlternateProcess">
+            <a:avLst/>
+          </a:prstGeom>
+          <a:solidFill>
+            <a:schemeClr val="bg1"/>
+          </a:solidFill>
+          <a:ln w="28575" cmpd="sng">
+            <a:solidFill>
+              <a:schemeClr val="accent2"/>
+            </a:solidFill>
+          </a:ln>
+        </p:spPr>
+        <p:style>
+          <a:lnRef idx="1">
+            <a:schemeClr val="accent1"/>
+          </a:lnRef>
+          <a:fillRef idx="3">
+            <a:schemeClr val="accent1"/>
+          </a:fillRef>
+          <a:effectRef idx="2">
+            <a:schemeClr val="accent1"/>
+          </a:effectRef>
+          <a:fontRef idx="minor">
+            <a:schemeClr val="lt1"/>
+          </a:fontRef>
+        </p:style>
+        <p:txBody>
+          <a:bodyPr lIns="91434" tIns="45717" rIns="91434" bIns="45717" rtlCol="0" anchor="ctr"/>
+          <a:lstStyle/>
+          <a:p>
+            <a:pPr algn="ctr" defTabSz="457169"/>
+            <a:endParaRPr lang="en-US">
+              <a:solidFill>
+                <a:prstClr val="white"/>
+              </a:solidFill>
+            </a:endParaRPr>
+          </a:p>
+        </p:txBody>
+      </p:sp>
+      <p:sp>
+        <p:nvSpPr>
+          <p:cNvPr id="34" name="Alternate Process 33"/>
+          <p:cNvSpPr/>
+          <p:nvPr/>
+        </p:nvSpPr>
+        <p:spPr>
+          <a:xfrm>
+            <a:off x="8540350" y="4316544"/>
+            <a:ext cx="2336800" cy="1714500"/>
+          </a:xfrm>
+          <a:prstGeom prst="flowChartAlternateProcess">
+            <a:avLst/>
+          </a:prstGeom>
+          <a:noFill/>
+          <a:ln w="9525" cmpd="sng">
+            <a:solidFill>
+              <a:schemeClr val="tx1">
+                <a:lumMod val="75000"/>
+                <a:lumOff val="25000"/>
+              </a:schemeClr>
+            </a:solidFill>
+          </a:ln>
+        </p:spPr>
+        <p:style>
+          <a:lnRef idx="1">
+            <a:schemeClr val="accent1"/>
+          </a:lnRef>
+          <a:fillRef idx="3">
+            <a:schemeClr val="accent1"/>
+          </a:fillRef>
+          <a:effectRef idx="2">
+            <a:schemeClr val="accent1"/>
+          </a:effectRef>
+          <a:fontRef idx="minor">
+            <a:schemeClr val="lt1"/>
+          </a:fontRef>
+        </p:style>
+        <p:txBody>
+          <a:bodyPr lIns="91434" tIns="45717" rIns="91434" bIns="45717" rtlCol="0" anchor="ctr"/>
+          <a:lstStyle/>
+          <a:p>
+            <a:pPr algn="ctr" defTabSz="457169"/>
+            <a:endParaRPr lang="en-US">
+              <a:solidFill>
+                <a:schemeClr val="tx1">
+                  <a:lumMod val="75000"/>
+                  <a:lumOff val="25000"/>
+                </a:schemeClr>
               </a:solidFill>
             </a:endParaRPr>
           </a:p>
@@ -3280,8 +3436,8 @@
         </p:nvSpPr>
         <p:spPr>
           <a:xfrm>
-            <a:off x="2226724" y="637443"/>
-            <a:ext cx="8858070" cy="923324"/>
+            <a:off x="2226724" y="514353"/>
+            <a:ext cx="8858070" cy="830991"/>
           </a:xfrm>
           <a:prstGeom prst="rect">
             <a:avLst/>
@@ -3300,31 +3456,51 @@
               </a:lnSpc>
             </a:pPr>
             <a:r>
-              <a:rPr lang="en-US" sz="2400" b="1" dirty="0" smtClean="0">
+              <a:rPr lang="en-US" sz="2000" b="1" dirty="0" smtClean="0">
                 <a:latin typeface="Helvetica"/>
                 <a:cs typeface="Helvetica"/>
               </a:rPr>
-              <a:t>NCAR’s Community WRF-Hydro Model</a:t>
-            </a:r>
-            <a:endParaRPr lang="en-US" sz="800" b="1" dirty="0" smtClean="0">
-              <a:latin typeface="Helvetica"/>
-              <a:cs typeface="Helvetica"/>
-            </a:endParaRPr>
-          </a:p>
-          <a:p>
-            <a:pPr algn="ctr" defTabSz="457169"/>
-            <a:r>
-              <a:rPr lang="en-US" dirty="0" smtClean="0">
-                <a:solidFill>
-                  <a:schemeClr val="accent2"/>
-                </a:solidFill>
+              <a:t>Incremental  </a:t>
+            </a:r>
+            <a:r>
+              <a:rPr lang="en-US" sz="2000" b="1" dirty="0" err="1" smtClean="0">
                 <a:latin typeface="Helvetica"/>
                 <a:cs typeface="Helvetica"/>
               </a:rPr>
-              <a:t>CAF: Example ensemble member </a:t>
-            </a:r>
-            <a:r>
-              <a:rPr lang="en-US" dirty="0">
+              <a:t>Caffeination</a:t>
+            </a:r>
+            <a:r>
+              <a:rPr lang="en-US" sz="2000" b="1" dirty="0" smtClean="0">
+                <a:latin typeface="Helvetica"/>
+                <a:cs typeface="Helvetica"/>
+              </a:rPr>
+              <a:t> of NCAR’s Community WRF-Hydro Model</a:t>
+            </a:r>
+          </a:p>
+          <a:p>
+            <a:pPr algn="ctr" defTabSz="457169"/>
+            <a:r>
+              <a:rPr lang="en-US" dirty="0" smtClean="0">
+                <a:solidFill>
+                  <a:schemeClr val="accent2"/>
+                </a:solidFill>
+                <a:latin typeface="Helvetica"/>
+                <a:cs typeface="Helvetica"/>
+              </a:rPr>
+              <a:t>CAF: </a:t>
+            </a:r>
+            <a:r>
+              <a:rPr lang="en-US" smtClean="0">
+                <a:solidFill>
+                  <a:schemeClr val="accent2"/>
+                </a:solidFill>
+                <a:latin typeface="Helvetica"/>
+                <a:cs typeface="Helvetica"/>
+              </a:rPr>
+              <a:t>Ensemble members </a:t>
+            </a:r>
+            <a:r>
+              <a:rPr lang="en-US" smtClean="0">
                 <a:solidFill>
                   <a:schemeClr val="accent2"/>
                 </a:solidFill>
@@ -3334,14 +3510,24 @@
               <a:t>r</a:t>
             </a:r>
             <a:r>
-              <a:rPr lang="en-US" dirty="0" smtClean="0">
+              <a:rPr lang="en-US" smtClean="0">
                 <a:solidFill>
                   <a:schemeClr val="accent2"/>
                 </a:solidFill>
                 <a:latin typeface="Helvetica"/>
                 <a:cs typeface="Helvetica"/>
               </a:rPr>
-              <a:t>un via </a:t>
+              <a:t>un </a:t>
+            </a:r>
+            <a:r>
+              <a:rPr lang="en-US" dirty="0" smtClean="0">
+                <a:solidFill>
+                  <a:schemeClr val="accent2"/>
+                </a:solidFill>
+                <a:latin typeface="Helvetica"/>
+                <a:cs typeface="Helvetica"/>
+              </a:rPr>
+              <a:t>via </a:t>
             </a:r>
             <a:r>
               <a:rPr lang="en-US" dirty="0" err="1">
@@ -3915,7 +4101,14 @@
             <a:avLst/>
           </a:prstGeom>
           <a:noFill/>
-          <a:ln w="28575" cmpd="sng"/>
+          <a:ln w="9525" cmpd="sng">
+            <a:solidFill>
+              <a:schemeClr val="tx1">
+                <a:lumMod val="75000"/>
+                <a:lumOff val="25000"/>
+              </a:schemeClr>
+            </a:solidFill>
+          </a:ln>
         </p:spPr>
         <p:style>
           <a:lnRef idx="1">
@@ -3938,7 +4131,10 @@
             <a:pPr algn="ctr" defTabSz="457169"/>
             <a:endParaRPr lang="en-US">
               <a:solidFill>
-                <a:prstClr val="white"/>
+                <a:schemeClr val="tx1">
+                  <a:lumMod val="75000"/>
+                  <a:lumOff val="25000"/>
+                </a:schemeClr>
               </a:solidFill>
             </a:endParaRPr>
           </a:p>
@@ -3959,7 +4155,14 @@
             <a:avLst/>
           </a:prstGeom>
           <a:noFill/>
-          <a:ln w="28575" cmpd="sng"/>
+          <a:ln w="9525" cmpd="sng">
+            <a:solidFill>
+              <a:schemeClr val="tx1">
+                <a:lumMod val="75000"/>
+                <a:lumOff val="25000"/>
+              </a:schemeClr>
+            </a:solidFill>
+          </a:ln>
         </p:spPr>
         <p:style>
           <a:lnRef idx="1">
@@ -3982,7 +4185,10 @@
             <a:pPr algn="ctr" defTabSz="457169"/>
             <a:endParaRPr lang="en-US">
               <a:solidFill>
-                <a:prstClr val="white"/>
+                <a:schemeClr val="tx1">
+                  <a:lumMod val="75000"/>
+                  <a:lumOff val="25000"/>
+                </a:schemeClr>
               </a:solidFill>
             </a:endParaRPr>
           </a:p>
@@ -4003,7 +4209,14 @@
             <a:avLst/>
           </a:prstGeom>
           <a:noFill/>
-          <a:ln w="28575" cmpd="sng"/>
+          <a:ln w="9525" cmpd="sng">
+            <a:solidFill>
+              <a:schemeClr val="tx1">
+                <a:lumMod val="75000"/>
+                <a:lumOff val="25000"/>
+              </a:schemeClr>
+            </a:solidFill>
+          </a:ln>
         </p:spPr>
         <p:style>
           <a:lnRef idx="1">
@@ -4026,7 +4239,10 @@
             <a:pPr algn="ctr" defTabSz="457169"/>
             <a:endParaRPr lang="en-US">
               <a:solidFill>
-                <a:prstClr val="white"/>
+                <a:schemeClr val="tx1">
+                  <a:lumMod val="75000"/>
+                  <a:lumOff val="25000"/>
+                </a:schemeClr>
               </a:solidFill>
             </a:endParaRPr>
           </a:p>
@@ -4126,7 +4342,14 @@
             <a:avLst/>
           </a:prstGeom>
           <a:noFill/>
-          <a:ln w="28575" cmpd="sng"/>
+          <a:ln w="9525" cmpd="sng">
+            <a:solidFill>
+              <a:schemeClr val="tx1">
+                <a:lumMod val="75000"/>
+                <a:lumOff val="25000"/>
+              </a:schemeClr>
+            </a:solidFill>
+          </a:ln>
         </p:spPr>
         <p:style>
           <a:lnRef idx="1">
@@ -4149,7 +4372,10 @@
             <a:pPr algn="ctr" defTabSz="457169"/>
             <a:endParaRPr lang="en-US">
               <a:solidFill>
-                <a:prstClr val="white"/>
+                <a:schemeClr val="tx1">
+                  <a:lumMod val="75000"/>
+                  <a:lumOff val="25000"/>
+                </a:schemeClr>
               </a:solidFill>
             </a:endParaRPr>
           </a:p>
@@ -4170,7 +4396,14 @@
             <a:avLst/>
           </a:prstGeom>
           <a:noFill/>
-          <a:ln w="28575" cmpd="sng"/>
+          <a:ln w="9525" cmpd="sng">
+            <a:solidFill>
+              <a:schemeClr val="tx1">
+                <a:lumMod val="75000"/>
+                <a:lumOff val="25000"/>
+              </a:schemeClr>
+            </a:solidFill>
+          </a:ln>
         </p:spPr>
         <p:style>
           <a:lnRef idx="1">
@@ -4193,7 +4426,10 @@
             <a:pPr algn="ctr" defTabSz="457169"/>
             <a:endParaRPr lang="en-US">
               <a:solidFill>
-                <a:prstClr val="white"/>
+                <a:schemeClr val="tx1">
+                  <a:lumMod val="75000"/>
+                  <a:lumOff val="25000"/>
+                </a:schemeClr>
               </a:solidFill>
             </a:endParaRPr>
           </a:p>
@@ -4214,6 +4450,9 @@
             <a:avLst/>
           </a:prstGeom>
           <a:ln w="101600" cap="flat">
+            <a:solidFill>
+              <a:schemeClr val="tx1"/>
+            </a:solidFill>
             <a:round/>
             <a:headEnd type="none" w="sm" len="sm"/>
             <a:tailEnd type="triangle" w="med" len="sm"/>
@@ -4249,6 +4488,9 @@
             <a:avLst/>
           </a:prstGeom>
           <a:ln w="101600">
+            <a:solidFill>
+              <a:schemeClr val="tx1"/>
+            </a:solidFill>
             <a:tailEnd type="triangle" w="med" len="sm"/>
           </a:ln>
         </p:spPr>
@@ -4282,6 +4524,9 @@
             <a:avLst/>
           </a:prstGeom>
           <a:ln w="101600">
+            <a:solidFill>
+              <a:schemeClr val="tx1"/>
+            </a:solidFill>
             <a:headEnd type="triangle" w="med" len="sm"/>
             <a:tailEnd type="triangle" w="med" len="sm"/>
           </a:ln>
@@ -4316,6 +4561,9 @@
             <a:avLst/>
           </a:prstGeom>
           <a:ln w="101600">
+            <a:solidFill>
+              <a:schemeClr val="tx1"/>
+            </a:solidFill>
             <a:tailEnd type="triangle" w="med" len="sm"/>
           </a:ln>
         </p:spPr>
@@ -4349,6 +4597,9 @@
             <a:avLst/>
           </a:prstGeom>
           <a:ln w="101600">
+            <a:solidFill>
+              <a:schemeClr val="tx1"/>
+            </a:solidFill>
             <a:prstDash val="sysDot"/>
             <a:tailEnd type="triangle" w="med" len="sm"/>
           </a:ln>
@@ -4393,9 +4644,6 @@
             <a:pPr algn="ctr" defTabSz="457169"/>
             <a:r>
               <a:rPr lang="en-US" sz="1400" b="1" i="1" dirty="0">
-                <a:solidFill>
-                  <a:srgbClr val="4A70A8"/>
-                </a:solidFill>
                 <a:latin typeface="Helvetica"/>
                 <a:cs typeface="Helvetica"/>
               </a:rPr>
@@ -4607,54 +4855,6 @@
       </p:sp>
       <p:sp>
         <p:nvSpPr>
-          <p:cNvPr id="33" name="Alternate Process 32"/>
-          <p:cNvSpPr/>
-          <p:nvPr/>
-        </p:nvSpPr>
-        <p:spPr>
-          <a:xfrm>
-            <a:off x="2270641" y="1532320"/>
-            <a:ext cx="8814152" cy="4771003"/>
-          </a:xfrm>
-          <a:prstGeom prst="flowChartAlternateProcess">
-            <a:avLst/>
-          </a:prstGeom>
-          <a:noFill/>
-          <a:ln w="28575" cmpd="sng">
-            <a:solidFill>
-              <a:schemeClr val="accent2"/>
-            </a:solidFill>
-          </a:ln>
-        </p:spPr>
-        <p:style>
-          <a:lnRef idx="1">
-            <a:schemeClr val="accent1"/>
-          </a:lnRef>
-          <a:fillRef idx="3">
-            <a:schemeClr val="accent1"/>
-          </a:fillRef>
-          <a:effectRef idx="2">
-            <a:schemeClr val="accent1"/>
-          </a:effectRef>
-          <a:fontRef idx="minor">
-            <a:schemeClr val="lt1"/>
-          </a:fontRef>
-        </p:style>
-        <p:txBody>
-          <a:bodyPr lIns="91434" tIns="45717" rIns="91434" bIns="45717" rtlCol="0" anchor="ctr"/>
-          <a:lstStyle/>
-          <a:p>
-            <a:pPr algn="ctr" defTabSz="457169"/>
-            <a:endParaRPr lang="en-US">
-              <a:solidFill>
-                <a:prstClr val="white"/>
-              </a:solidFill>
-            </a:endParaRPr>
-          </a:p>
-        </p:txBody>
-      </p:sp>
-      <p:sp>
-        <p:nvSpPr>
           <p:cNvPr id="35" name="Rectangle 34"/>
           <p:cNvSpPr/>
           <p:nvPr/>
@@ -4676,28 +4876,24 @@
           <a:p>
             <a:pPr algn="ctr" defTabSz="457169"/>
             <a:r>
-              <a:rPr lang="en-US" sz="1400" smtClean="0">
-                <a:solidFill>
-                  <a:schemeClr val="accent1"/>
+              <a:rPr lang="en-US" sz="1400" dirty="0" smtClean="0">
+                <a:solidFill>
+                  <a:schemeClr val="tx1">
+                    <a:lumMod val="75000"/>
+                    <a:lumOff val="25000"/>
+                  </a:schemeClr>
                 </a:solidFill>
                 <a:latin typeface="Helvetica"/>
                 <a:cs typeface="Helvetica"/>
               </a:rPr>
-              <a:t>MPI: </a:t>
-            </a:r>
-            <a:r>
-              <a:rPr lang="en-US" sz="1400" dirty="0" smtClean="0">
-                <a:solidFill>
-                  <a:schemeClr val="accent1"/>
-                </a:solidFill>
-                <a:latin typeface="Helvetica"/>
-                <a:cs typeface="Helvetica"/>
-              </a:rPr>
-              <a:t>Model Chain (example of NOAA’s National Water Model Implementation)</a:t>
+              <a:t>MPI: Model Chain (example of NOAA’s National Water Model Implementation)</a:t>
             </a:r>
             <a:endParaRPr lang="en-US" sz="1400" dirty="0" smtClean="0">
               <a:solidFill>
-                <a:schemeClr val="accent1"/>
+                <a:schemeClr val="tx1">
+                  <a:lumMod val="75000"/>
+                  <a:lumOff val="25000"/>
+                </a:schemeClr>
               </a:solidFill>
               <a:latin typeface="Helvetica"/>
               <a:cs typeface="Helvetica"/>
@@ -4774,6 +4970,13 @@
   <p:clrMapOvr>
     <a:masterClrMapping/>
   </p:clrMapOvr>
+  <p:timing>
+    <p:tnLst>
+      <p:par>
+        <p:cTn xmlns:p14="http://schemas.microsoft.com/office/powerpoint/2010/main" id="1" dur="indefinite" restart="never" nodeType="tmRoot"/>
+      </p:par>
+    </p:tnLst>
+  </p:timing>
 </p:sld>
 </file>
 

--- a/figures/WRF-Hydro-Ensemble-Chain.pptx
+++ b/figures/WRF-Hydro-Ensemble-Chain.pptx
@@ -3108,7 +3108,7 @@
         </p:nvSpPr>
         <p:spPr>
           <a:xfrm>
-            <a:off x="2508303" y="1303766"/>
+            <a:off x="2491518" y="1320551"/>
             <a:ext cx="8814152" cy="4771003"/>
           </a:xfrm>
           <a:prstGeom prst="flowChartAlternateProcess">
@@ -3254,7 +3254,7 @@
         </p:nvSpPr>
         <p:spPr>
           <a:xfrm>
-            <a:off x="8540350" y="4316544"/>
+            <a:off x="8540350" y="4384584"/>
             <a:ext cx="2336800" cy="1714500"/>
           </a:xfrm>
           <a:prstGeom prst="flowChartAlternateProcess">
@@ -3323,7 +3323,7 @@
         </p:blipFill>
         <p:spPr>
           <a:xfrm>
-            <a:off x="9106412" y="5111631"/>
+            <a:off x="9106412" y="5179671"/>
             <a:ext cx="1169606" cy="772404"/>
           </a:xfrm>
           <a:prstGeom prst="rect">
@@ -3353,7 +3353,7 @@
         </p:blipFill>
         <p:spPr>
           <a:xfrm>
-            <a:off x="9378550" y="4383501"/>
+            <a:off x="9378550" y="4451541"/>
             <a:ext cx="1113366" cy="736813"/>
           </a:xfrm>
           <a:prstGeom prst="rect">
@@ -3389,7 +3389,7 @@
         </p:blipFill>
         <p:spPr>
           <a:xfrm>
-            <a:off x="3807491" y="4502357"/>
+            <a:off x="3807491" y="4570397"/>
             <a:ext cx="1193707" cy="1362815"/>
           </a:xfrm>
           <a:prstGeom prst="rect">
@@ -3420,7 +3420,7 @@
         </p:blipFill>
         <p:spPr>
           <a:xfrm>
-            <a:off x="2932537" y="2268627"/>
+            <a:off x="2966554" y="2348007"/>
             <a:ext cx="2019301" cy="1510268"/>
           </a:xfrm>
           <a:prstGeom prst="rect">
@@ -3436,8 +3436,8 @@
         </p:nvSpPr>
         <p:spPr>
           <a:xfrm>
-            <a:off x="2226724" y="514353"/>
-            <a:ext cx="8858070" cy="830991"/>
+            <a:off x="2226724" y="922593"/>
+            <a:ext cx="8858070" cy="369326"/>
           </a:xfrm>
           <a:prstGeom prst="rect">
             <a:avLst/>
@@ -3450,47 +3450,39 @@
           </a:bodyPr>
           <a:lstStyle/>
           <a:p>
-            <a:pPr algn="ctr" defTabSz="457169">
-              <a:lnSpc>
-                <a:spcPct val="150000"/>
-              </a:lnSpc>
-            </a:pPr>
-            <a:r>
-              <a:rPr lang="en-US" sz="2000" b="1" dirty="0" smtClean="0">
+            <a:pPr algn="ctr" defTabSz="457169"/>
+            <a:r>
+              <a:rPr lang="en-US" dirty="0" err="1" smtClean="0">
+                <a:solidFill>
+                  <a:schemeClr val="accent2"/>
+                </a:solidFill>
                 <a:latin typeface="Helvetica"/>
                 <a:cs typeface="Helvetica"/>
               </a:rPr>
-              <a:t>Incremental  </a:t>
-            </a:r>
-            <a:r>
-              <a:rPr lang="en-US" sz="2000" b="1" dirty="0" err="1" smtClean="0">
+              <a:t>Coarray</a:t>
+            </a:r>
+            <a:r>
+              <a:rPr lang="en-US" dirty="0" smtClean="0">
+                <a:solidFill>
+                  <a:schemeClr val="accent2"/>
+                </a:solidFill>
                 <a:latin typeface="Helvetica"/>
                 <a:cs typeface="Helvetica"/>
               </a:rPr>
-              <a:t>Caffeination</a:t>
-            </a:r>
-            <a:r>
-              <a:rPr lang="en-US" sz="2000" b="1" dirty="0" smtClean="0">
+              <a:t> Fortran (CAF</a:t>
+            </a:r>
+            <a:r>
+              <a:rPr lang="en-US" smtClean="0">
+                <a:solidFill>
+                  <a:schemeClr val="accent2"/>
+                </a:solidFill>
                 <a:latin typeface="Helvetica"/>
                 <a:cs typeface="Helvetica"/>
               </a:rPr>
-              <a:t> of NCAR’s Community WRF-Hydro Model</a:t>
-            </a:r>
-          </a:p>
-          <a:p>
-            <a:pPr algn="ctr" defTabSz="457169"/>
+              <a:t>) Teams: </a:t>
+            </a:r>
             <a:r>
               <a:rPr lang="en-US" dirty="0" smtClean="0">
-                <a:solidFill>
-                  <a:schemeClr val="accent2"/>
-                </a:solidFill>
-                <a:latin typeface="Helvetica"/>
-                <a:cs typeface="Helvetica"/>
-              </a:rPr>
-              <a:t>CAF: </a:t>
-            </a:r>
-            <a:r>
-              <a:rPr lang="en-US" smtClean="0">
                 <a:solidFill>
                   <a:schemeClr val="accent2"/>
                 </a:solidFill>
@@ -3500,7 +3492,7 @@
               <a:t>Ensemble members </a:t>
             </a:r>
             <a:r>
-              <a:rPr lang="en-US" smtClean="0">
+              <a:rPr lang="en-US" dirty="0" smtClean="0">
                 <a:solidFill>
                   <a:schemeClr val="accent2"/>
                 </a:solidFill>
@@ -3510,14 +3502,14 @@
               <a:t>r</a:t>
             </a:r>
             <a:r>
-              <a:rPr lang="en-US" smtClean="0">
+              <a:rPr lang="en-US" dirty="0" smtClean="0">
                 <a:solidFill>
                   <a:schemeClr val="accent2"/>
                 </a:solidFill>
                 <a:latin typeface="Helvetica"/>
                 <a:cs typeface="Helvetica"/>
               </a:rPr>
-              <a:t>un </a:t>
+              <a:t>un using </a:t>
             </a:r>
             <a:r>
               <a:rPr lang="en-US" dirty="0" smtClean="0">
@@ -3527,57 +3519,17 @@
                 <a:latin typeface="Helvetica"/>
                 <a:cs typeface="Helvetica"/>
               </a:rPr>
-              <a:t>via </a:t>
-            </a:r>
-            <a:r>
-              <a:rPr lang="en-US" dirty="0" err="1">
+              <a:t>CAF </a:t>
+            </a:r>
+            <a:r>
+              <a:rPr lang="en-US" dirty="0" smtClean="0">
                 <a:solidFill>
                   <a:schemeClr val="accent2"/>
                 </a:solidFill>
                 <a:latin typeface="Helvetica"/>
                 <a:cs typeface="Helvetica"/>
               </a:rPr>
-              <a:t>c</a:t>
-            </a:r>
-            <a:r>
-              <a:rPr lang="en-US" dirty="0" err="1" smtClean="0">
-                <a:solidFill>
-                  <a:schemeClr val="accent2"/>
-                </a:solidFill>
-                <a:latin typeface="Helvetica"/>
-                <a:cs typeface="Helvetica"/>
-              </a:rPr>
-              <a:t>oarray</a:t>
-            </a:r>
-            <a:r>
-              <a:rPr lang="en-US" dirty="0" smtClean="0">
-                <a:solidFill>
-                  <a:schemeClr val="accent2"/>
-                </a:solidFill>
-                <a:latin typeface="Helvetica"/>
-                <a:cs typeface="Helvetica"/>
-              </a:rPr>
-              <a:t> </a:t>
-            </a:r>
-            <a:r>
-              <a:rPr lang="en-US" dirty="0" err="1" smtClean="0">
-                <a:solidFill>
-                  <a:schemeClr val="accent2"/>
-                </a:solidFill>
-                <a:latin typeface="Helvetica"/>
-                <a:cs typeface="Helvetica"/>
-              </a:rPr>
-              <a:t>fortran</a:t>
-            </a:r>
-            <a:r>
-              <a:rPr lang="en-US" dirty="0" smtClean="0">
-                <a:solidFill>
-                  <a:schemeClr val="accent2"/>
-                </a:solidFill>
-                <a:latin typeface="Helvetica"/>
-                <a:cs typeface="Helvetica"/>
-              </a:rPr>
-              <a:t> teams</a:t>
+              <a:t>teams</a:t>
             </a:r>
           </a:p>
         </p:txBody>
@@ -3599,7 +3551,7 @@
         </p:blipFill>
         <p:spPr>
           <a:xfrm>
-            <a:off x="5909494" y="2182165"/>
+            <a:off x="5943511" y="2261545"/>
             <a:ext cx="1809848" cy="1536394"/>
           </a:xfrm>
           <a:prstGeom prst="rect">
@@ -3629,7 +3581,7 @@
         </p:blipFill>
         <p:spPr bwMode="auto">
           <a:xfrm>
-            <a:off x="8254765" y="2190452"/>
+            <a:off x="8288782" y="2269832"/>
             <a:ext cx="1928126" cy="1600388"/>
           </a:xfrm>
           <a:prstGeom prst="rect">
@@ -3687,7 +3639,7 @@
         </p:blipFill>
         <p:spPr>
           <a:xfrm>
-            <a:off x="6413719" y="4574922"/>
+            <a:off x="6413719" y="4642962"/>
             <a:ext cx="1508567" cy="1349515"/>
           </a:xfrm>
           <a:prstGeom prst="rect">
@@ -3703,7 +3655,7 @@
         </p:nvSpPr>
         <p:spPr>
           <a:xfrm>
-            <a:off x="5761539" y="4373436"/>
+            <a:off x="5761539" y="4441476"/>
             <a:ext cx="1569648" cy="1384988"/>
           </a:xfrm>
           <a:prstGeom prst="rect">
@@ -3726,7 +3678,27 @@
                 <a:latin typeface="Helvetica"/>
                 <a:cs typeface="Helvetica"/>
               </a:rPr>
-              <a:t>5. Channel &amp; </a:t>
+              <a:t>e</a:t>
+            </a:r>
+            <a:r>
+              <a:rPr lang="en-US" sz="1400" b="1" dirty="0" smtClean="0">
+                <a:solidFill>
+                  <a:prstClr val="black"/>
+                </a:solidFill>
+                <a:latin typeface="Helvetica"/>
+                <a:cs typeface="Helvetica"/>
+              </a:rPr>
+              <a:t>. </a:t>
+            </a:r>
+            <a:r>
+              <a:rPr lang="en-US" sz="1400" b="1" dirty="0">
+                <a:solidFill>
+                  <a:prstClr val="black"/>
+                </a:solidFill>
+                <a:latin typeface="Helvetica"/>
+                <a:cs typeface="Helvetica"/>
+              </a:rPr>
+              <a:t>Channel &amp; </a:t>
             </a:r>
           </a:p>
           <a:p>
@@ -3831,7 +3803,7 @@
         </p:nvSpPr>
         <p:spPr>
           <a:xfrm>
-            <a:off x="2862192" y="4339570"/>
+            <a:off x="2862192" y="4407610"/>
             <a:ext cx="2113697" cy="1169545"/>
           </a:xfrm>
           <a:prstGeom prst="rect">
@@ -3864,14 +3836,14 @@
           <a:p>
             <a:pPr defTabSz="457169"/>
             <a:r>
-              <a:rPr lang="en-US" sz="1400" b="1" dirty="0">
+              <a:rPr lang="en-US" sz="1400" b="1" dirty="0" smtClean="0">
                 <a:solidFill>
                   <a:prstClr val="black"/>
                 </a:solidFill>
                 <a:latin typeface="Helvetica"/>
                 <a:cs typeface="Helvetica"/>
               </a:rPr>
-              <a:t>4. </a:t>
+              <a:t>d. </a:t>
             </a:r>
             <a:r>
               <a:rPr lang="en-US" sz="1400" b="1" dirty="0" err="1">
@@ -3956,8 +3928,8 @@
         </p:nvSpPr>
         <p:spPr>
           <a:xfrm>
-            <a:off x="5376095" y="2116337"/>
-            <a:ext cx="1528108" cy="523214"/>
+            <a:off x="5405203" y="2195717"/>
+            <a:ext cx="1537926" cy="523214"/>
           </a:xfrm>
           <a:prstGeom prst="rect">
             <a:avLst/>
@@ -3979,7 +3951,17 @@
                 <a:latin typeface="Helvetica"/>
                 <a:cs typeface="Helvetica"/>
               </a:rPr>
-              <a:t>2. </a:t>
+              <a:t>b</a:t>
+            </a:r>
+            <a:r>
+              <a:rPr lang="en-US" sz="1400" b="1" dirty="0" smtClean="0">
+                <a:solidFill>
+                  <a:prstClr val="black"/>
+                </a:solidFill>
+                <a:latin typeface="Helvetica"/>
+                <a:cs typeface="Helvetica"/>
+              </a:rPr>
+              <a:t>. </a:t>
             </a:r>
             <a:r>
               <a:rPr lang="en-US" sz="1400" b="1" dirty="0" err="1">
@@ -4025,7 +4007,7 @@
         </p:nvSpPr>
         <p:spPr>
           <a:xfrm>
-            <a:off x="2486690" y="2105965"/>
+            <a:off x="2520707" y="2185345"/>
             <a:ext cx="2761481" cy="523214"/>
           </a:xfrm>
           <a:prstGeom prst="rect">
@@ -4048,7 +4030,17 @@
                 <a:latin typeface="Helvetica"/>
                 <a:cs typeface="Helvetica"/>
               </a:rPr>
-              <a:t>1. </a:t>
+              <a:t>a</a:t>
+            </a:r>
+            <a:r>
+              <a:rPr lang="en-US" sz="1400" b="1" dirty="0" smtClean="0">
+                <a:solidFill>
+                  <a:prstClr val="black"/>
+                </a:solidFill>
+                <a:latin typeface="Helvetica"/>
+                <a:cs typeface="Helvetica"/>
+              </a:rPr>
+              <a:t>. </a:t>
             </a:r>
             <a:r>
               <a:rPr lang="en-US" sz="1400" b="1" dirty="0">
@@ -4061,15 +4053,22 @@
               <a:t>NWM </a:t>
             </a:r>
             <a:r>
-              <a:rPr lang="en-US" sz="1400" b="1" dirty="0">
+              <a:rPr lang="en-US" sz="1400" b="1" dirty="0" smtClean="0">
                 <a:solidFill>
                   <a:prstClr val="black"/>
                 </a:solidFill>
                 <a:latin typeface="Helvetica"/>
                 <a:cs typeface="Helvetica"/>
               </a:rPr>
-              <a:t>Forcing Engine</a:t>
-            </a:r>
+              <a:t>Forcing</a:t>
+            </a:r>
+            <a:endParaRPr lang="en-US" sz="1400" b="1" dirty="0">
+              <a:solidFill>
+                <a:prstClr val="black"/>
+              </a:solidFill>
+              <a:latin typeface="Helvetica"/>
+              <a:cs typeface="Helvetica"/>
+            </a:endParaRPr>
           </a:p>
           <a:p>
             <a:pPr defTabSz="457169"/>
@@ -4094,7 +4093,7 @@
         </p:nvSpPr>
         <p:spPr>
           <a:xfrm>
-            <a:off x="2486689" y="2065427"/>
+            <a:off x="2520706" y="2144807"/>
             <a:ext cx="2589452" cy="1714500"/>
           </a:xfrm>
           <a:prstGeom prst="flowChartAlternateProcess">
@@ -4148,7 +4147,7 @@
         </p:nvSpPr>
         <p:spPr>
           <a:xfrm>
-            <a:off x="5376094" y="2096523"/>
+            <a:off x="5376094" y="2164563"/>
             <a:ext cx="2503863" cy="1714500"/>
           </a:xfrm>
           <a:prstGeom prst="flowChartAlternateProcess">
@@ -4202,7 +4201,7 @@
         </p:nvSpPr>
         <p:spPr>
           <a:xfrm>
-            <a:off x="8125489" y="2067867"/>
+            <a:off x="8159506" y="2147247"/>
             <a:ext cx="2667000" cy="1714500"/>
           </a:xfrm>
           <a:prstGeom prst="flowChartAlternateProcess">
@@ -4256,7 +4255,7 @@
         </p:nvSpPr>
         <p:spPr>
           <a:xfrm>
-            <a:off x="9008936" y="2087682"/>
+            <a:off x="9042953" y="2167062"/>
             <a:ext cx="1707354" cy="738658"/>
           </a:xfrm>
           <a:prstGeom prst="rect">
@@ -4279,7 +4278,27 @@
                 <a:latin typeface="Helvetica"/>
                 <a:cs typeface="Helvetica"/>
               </a:rPr>
-              <a:t>3. Terrain Routing</a:t>
+              <a:t>c</a:t>
+            </a:r>
+            <a:r>
+              <a:rPr lang="en-US" sz="1400" b="1" dirty="0" smtClean="0">
+                <a:solidFill>
+                  <a:prstClr val="black"/>
+                </a:solidFill>
+                <a:latin typeface="Helvetica"/>
+                <a:cs typeface="Helvetica"/>
+              </a:rPr>
+              <a:t>. </a:t>
+            </a:r>
+            <a:r>
+              <a:rPr lang="en-US" sz="1400" b="1" dirty="0">
+                <a:solidFill>
+                  <a:prstClr val="black"/>
+                </a:solidFill>
+                <a:latin typeface="Helvetica"/>
+                <a:cs typeface="Helvetica"/>
+              </a:rPr>
+              <a:t>Terrain Routing</a:t>
             </a:r>
           </a:p>
           <a:p>
@@ -4335,7 +4354,7 @@
         </p:nvSpPr>
         <p:spPr>
           <a:xfrm>
-            <a:off x="2791490" y="4277667"/>
+            <a:off x="2791490" y="4345707"/>
             <a:ext cx="2336800" cy="1714500"/>
           </a:xfrm>
           <a:prstGeom prst="flowChartAlternateProcess">
@@ -4389,7 +4408,7 @@
         </p:nvSpPr>
         <p:spPr>
           <a:xfrm>
-            <a:off x="5729420" y="4277667"/>
+            <a:off x="5729420" y="4345707"/>
             <a:ext cx="2336800" cy="1714500"/>
           </a:xfrm>
           <a:prstGeom prst="flowChartAlternateProcess">
@@ -4443,7 +4462,7 @@
         </p:nvCxnSpPr>
         <p:spPr>
           <a:xfrm rot="5400000">
-            <a:off x="6086559" y="1504783"/>
+            <a:off x="6086559" y="1572823"/>
             <a:ext cx="692672" cy="5027709"/>
           </a:xfrm>
           <a:prstGeom prst="bentConnector3">
@@ -4481,7 +4500,7 @@
         </p:nvCxnSpPr>
         <p:spPr>
           <a:xfrm flipV="1">
-            <a:off x="4992823" y="2867969"/>
+            <a:off x="5026840" y="2947349"/>
             <a:ext cx="694269" cy="8467"/>
           </a:xfrm>
           <a:prstGeom prst="straightConnector1">
@@ -4517,7 +4536,7 @@
         </p:nvCxnSpPr>
         <p:spPr>
           <a:xfrm flipV="1">
-            <a:off x="7326979" y="2844193"/>
+            <a:off x="7360996" y="2923573"/>
             <a:ext cx="1540933" cy="6350"/>
           </a:xfrm>
           <a:prstGeom prst="straightConnector1">
@@ -4554,7 +4573,7 @@
         </p:nvCxnSpPr>
         <p:spPr>
           <a:xfrm>
-            <a:off x="5085954" y="5143383"/>
+            <a:off x="5085954" y="5211423"/>
             <a:ext cx="685801" cy="0"/>
           </a:xfrm>
           <a:prstGeom prst="straightConnector1">
@@ -4590,7 +4609,7 @@
         </p:nvCxnSpPr>
         <p:spPr>
           <a:xfrm>
-            <a:off x="8015418" y="5143383"/>
+            <a:off x="8015418" y="5211423"/>
             <a:ext cx="685801" cy="0"/>
           </a:xfrm>
           <a:prstGeom prst="straightConnector1">
@@ -4627,7 +4646,7 @@
         </p:nvSpPr>
         <p:spPr>
           <a:xfrm>
-            <a:off x="7297425" y="2410765"/>
+            <a:off x="7331442" y="2490145"/>
             <a:ext cx="1666264" cy="307770"/>
           </a:xfrm>
           <a:prstGeom prst="rect">
@@ -4674,7 +4693,7 @@
         </p:blipFill>
         <p:spPr>
           <a:xfrm>
-            <a:off x="8994887" y="4239565"/>
+            <a:off x="8994887" y="4307605"/>
             <a:ext cx="713864" cy="948266"/>
           </a:xfrm>
           <a:prstGeom prst="rect">
@@ -4709,7 +4728,7 @@
         </p:blipFill>
         <p:spPr>
           <a:xfrm>
-            <a:off x="8717837" y="4713695"/>
+            <a:off x="8717837" y="4781735"/>
             <a:ext cx="624272" cy="1016002"/>
           </a:xfrm>
           <a:prstGeom prst="rect">
@@ -4744,7 +4763,7 @@
         </p:blipFill>
         <p:spPr>
           <a:xfrm>
-            <a:off x="9933765" y="4984631"/>
+            <a:off x="9933765" y="5052671"/>
             <a:ext cx="689385" cy="1135544"/>
           </a:xfrm>
           <a:prstGeom prst="rect">
@@ -4765,8 +4784,8 @@
         </p:nvSpPr>
         <p:spPr>
           <a:xfrm>
-            <a:off x="8692749" y="4944049"/>
-            <a:ext cx="1964267" cy="523214"/>
+            <a:off x="8692749" y="4819309"/>
+            <a:ext cx="1964267" cy="738658"/>
           </a:xfrm>
           <a:prstGeom prst="rect">
             <a:avLst/>
@@ -4785,14 +4804,14 @@
           <a:p>
             <a:pPr algn="ctr" defTabSz="457169"/>
             <a:r>
-              <a:rPr lang="en-US" sz="1400" b="1" dirty="0">
+              <a:rPr lang="en-US" sz="1400" b="1" dirty="0" smtClean="0">
                 <a:solidFill>
                   <a:prstClr val="black"/>
                 </a:solidFill>
                 <a:latin typeface="Helvetica"/>
                 <a:cs typeface="Helvetica"/>
               </a:rPr>
-              <a:t>Forecast</a:t>
+              <a:t>Model Outputs</a:t>
             </a:r>
           </a:p>
           <a:p>
@@ -4805,8 +4824,35 @@
                 <a:latin typeface="Helvetica"/>
                 <a:cs typeface="Helvetica"/>
               </a:rPr>
-              <a:t>Products</a:t>
-            </a:r>
+              <a:t>&amp;</a:t>
+            </a:r>
+            <a:endParaRPr lang="en-US" sz="1400" b="1" dirty="0" smtClean="0">
+              <a:solidFill>
+                <a:prstClr val="black"/>
+              </a:solidFill>
+              <a:latin typeface="Helvetica"/>
+              <a:cs typeface="Helvetica"/>
+            </a:endParaRPr>
+          </a:p>
+          <a:p>
+            <a:pPr algn="ctr" defTabSz="457169"/>
+            <a:r>
+              <a:rPr lang="en-US" sz="1400" b="1" dirty="0" smtClean="0">
+                <a:solidFill>
+                  <a:prstClr val="black"/>
+                </a:solidFill>
+                <a:latin typeface="Helvetica"/>
+                <a:cs typeface="Helvetica"/>
+              </a:rPr>
+              <a:t>Forecast Products</a:t>
+            </a:r>
+            <a:endParaRPr lang="en-US" sz="1400" b="1" dirty="0">
+              <a:solidFill>
+                <a:prstClr val="black"/>
+              </a:solidFill>
+              <a:latin typeface="Helvetica"/>
+              <a:cs typeface="Helvetica"/>
+            </a:endParaRPr>
           </a:p>
         </p:txBody>
       </p:sp>
@@ -4861,8 +4907,8 @@
         </p:nvSpPr>
         <p:spPr>
           <a:xfrm>
-            <a:off x="2270641" y="1685018"/>
-            <a:ext cx="8814152" cy="307777"/>
+            <a:off x="2270641" y="1594298"/>
+            <a:ext cx="8814152" cy="492443"/>
           </a:xfrm>
           <a:prstGeom prst="rect">
             <a:avLst/>
@@ -4877,86 +4923,91 @@
             <a:pPr algn="ctr" defTabSz="457169"/>
             <a:r>
               <a:rPr lang="en-US" sz="1400" dirty="0" smtClean="0">
-                <a:solidFill>
-                  <a:schemeClr val="tx1">
-                    <a:lumMod val="75000"/>
-                    <a:lumOff val="25000"/>
-                  </a:schemeClr>
-                </a:solidFill>
                 <a:latin typeface="Helvetica"/>
                 <a:cs typeface="Helvetica"/>
               </a:rPr>
-              <a:t>MPI: Model Chain (example of NOAA’s National Water Model Implementation)</a:t>
-            </a:r>
-            <a:endParaRPr lang="en-US" sz="1400" dirty="0" smtClean="0">
-              <a:solidFill>
-                <a:schemeClr val="tx1">
-                  <a:lumMod val="75000"/>
-                  <a:lumOff val="25000"/>
-                </a:schemeClr>
-              </a:solidFill>
+              <a:t>Message Passing Interface (MPI) and CAF mix: WRF-Hydro Model Chain </a:t>
+            </a:r>
+          </a:p>
+          <a:p>
+            <a:pPr algn="ctr" defTabSz="457169"/>
+            <a:r>
+              <a:rPr lang="en-US" sz="1200" dirty="0" smtClean="0">
+                <a:latin typeface="Helvetica"/>
+                <a:cs typeface="Helvetica"/>
+              </a:rPr>
+              <a:t>(example of NOAA’s National Water Model Implementation)</a:t>
+            </a:r>
+            <a:endParaRPr lang="en-US" sz="1200" dirty="0" smtClean="0">
               <a:latin typeface="Helvetica"/>
               <a:cs typeface="Helvetica"/>
             </a:endParaRPr>
           </a:p>
         </p:txBody>
       </p:sp>
-      <p:sp>
-        <p:nvSpPr>
-          <p:cNvPr id="36" name="Rectangle 35"/>
-          <p:cNvSpPr/>
+      <p:cxnSp>
+        <p:nvCxnSpPr>
+          <p:cNvPr id="41" name="Straight Arrow Connector 40"/>
+          <p:cNvCxnSpPr/>
           <p:nvPr/>
-        </p:nvSpPr>
-        <p:spPr>
-          <a:xfrm>
-            <a:off x="2271397" y="6303323"/>
-            <a:ext cx="8813396" cy="307777"/>
+        </p:nvCxnSpPr>
+        <p:spPr>
+          <a:xfrm flipV="1">
+            <a:off x="10548611" y="5622471"/>
+            <a:ext cx="1051068" cy="920589"/>
+          </a:xfrm>
+          <a:prstGeom prst="straightConnector1">
+            <a:avLst/>
+          </a:prstGeom>
+          <a:ln>
+            <a:solidFill>
+              <a:schemeClr val="tx1"/>
+            </a:solidFill>
+            <a:tailEnd type="arrow"/>
+          </a:ln>
+        </p:spPr>
+        <p:style>
+          <a:lnRef idx="2">
+            <a:schemeClr val="accent1"/>
+          </a:lnRef>
+          <a:fillRef idx="0">
+            <a:schemeClr val="accent1"/>
+          </a:fillRef>
+          <a:effectRef idx="1">
+            <a:schemeClr val="accent1"/>
+          </a:effectRef>
+          <a:fontRef idx="minor">
+            <a:schemeClr val="tx1"/>
+          </a:fontRef>
+        </p:style>
+      </p:cxnSp>
+      <p:sp>
+        <p:nvSpPr>
+          <p:cNvPr id="43" name="TextBox 42"/>
+          <p:cNvSpPr txBox="1"/>
+          <p:nvPr/>
+        </p:nvSpPr>
+        <p:spPr>
+          <a:xfrm rot="19045916">
+            <a:off x="10655948" y="6039260"/>
+            <a:ext cx="954107" cy="307777"/>
           </a:xfrm>
           <a:prstGeom prst="rect">
             <a:avLst/>
           </a:prstGeom>
-        </p:spPr>
-        <p:txBody>
-          <a:bodyPr wrap="square">
+          <a:noFill/>
+        </p:spPr>
+        <p:txBody>
+          <a:bodyPr wrap="none" rtlCol="0">
             <a:spAutoFit/>
           </a:bodyPr>
           <a:lstStyle/>
           <a:p>
-            <a:pPr algn="r"/>
-            <a:r>
-              <a:rPr lang="en-US" sz="1400" i="1" dirty="0" smtClean="0">
-                <a:solidFill>
-                  <a:schemeClr val="tx1">
-                    <a:lumMod val="65000"/>
-                    <a:lumOff val="35000"/>
-                  </a:schemeClr>
-                </a:solidFill>
-                <a:latin typeface="Helvetica"/>
-                <a:cs typeface="Helvetica"/>
-              </a:rPr>
-              <a:t>WRF-Hydro: </a:t>
-            </a:r>
-            <a:r>
-              <a:rPr lang="en-US" sz="1400" i="1" u="sng" dirty="0" smtClean="0">
-                <a:solidFill>
-                  <a:schemeClr val="tx1">
-                    <a:lumMod val="65000"/>
-                    <a:lumOff val="35000"/>
-                  </a:schemeClr>
-                </a:solidFill>
-                <a:latin typeface="Helvetica"/>
-                <a:cs typeface="Helvetica"/>
-              </a:rPr>
-              <a:t>https://www.ral.ucar.edu/projects/wrf_hydro</a:t>
-            </a:r>
-            <a:endParaRPr lang="en-US" sz="1400" dirty="0">
-              <a:solidFill>
-                <a:schemeClr val="tx1">
-                  <a:lumMod val="65000"/>
-                  <a:lumOff val="35000"/>
-                </a:schemeClr>
-              </a:solidFill>
-            </a:endParaRPr>
+            <a:r>
+              <a:rPr lang="en-US" sz="1400" dirty="0" smtClean="0"/>
+              <a:t># of teams</a:t>
+            </a:r>
+            <a:endParaRPr lang="en-US" sz="1400" dirty="0"/>
           </a:p>
         </p:txBody>
       </p:sp>
